--- a/documentation/Presentation.pptx
+++ b/documentation/Presentation.pptx
@@ -11,6 +11,7 @@
     <p:sldId id="259" r:id="rId5"/>
     <p:sldId id="260" r:id="rId6"/>
     <p:sldId id="257" r:id="rId7"/>
+    <p:sldId id="263" r:id="rId8"/>
   </p:sldIdLst>
   <p:sldSz cx="12192000" cy="6858000"/>
   <p:notesSz cx="6858000" cy="9144000"/>
@@ -120,7 +121,7 @@
 <file path=ppt/revisionInfo.xml><?xml version="1.0" encoding="utf-8"?>
 <p1510:revInfo xmlns:a="http://schemas.openxmlformats.org/drawingml/2006/main" xmlns:r="http://schemas.openxmlformats.org/officeDocument/2006/relationships" xmlns:p1510="http://schemas.microsoft.com/office/powerpoint/2015/10/main">
   <p1510:revLst>
-    <p1510:client id="{E1B7C371-B183-4855-BB6F-1680507B463F}" v="3" dt="2023-05-16T01:52:55.040"/>
+    <p1510:client id="{E1B7C371-B183-4855-BB6F-1680507B463F}" v="15" dt="2023-05-16T02:08:59.249"/>
   </p1510:revLst>
 </p1510:revInfo>
 </file>
@@ -129,8 +130,8 @@
 <pc:chgInfo xmlns:a="http://schemas.openxmlformats.org/drawingml/2006/main" xmlns:r="http://schemas.openxmlformats.org/officeDocument/2006/relationships" xmlns:ac="http://schemas.microsoft.com/office/drawing/2013/main/command" xmlns:pc="http://schemas.microsoft.com/office/powerpoint/2013/main/command">
   <pc:docChgLst>
     <pc:chgData name="Cade Conklin" userId="814829c21bc3e5bc" providerId="LiveId" clId="{E1B7C371-B183-4855-BB6F-1680507B463F}"/>
-    <pc:docChg chg="undo custSel addSld delSld modSld sldOrd">
-      <pc:chgData name="Cade Conklin" userId="814829c21bc3e5bc" providerId="LiveId" clId="{E1B7C371-B183-4855-BB6F-1680507B463F}" dt="2023-05-16T01:53:02.225" v="535" actId="20577"/>
+    <pc:docChg chg="undo redo custSel addSld delSld modSld sldOrd">
+      <pc:chgData name="Cade Conklin" userId="814829c21bc3e5bc" providerId="LiveId" clId="{E1B7C371-B183-4855-BB6F-1680507B463F}" dt="2023-05-16T02:20:43.820" v="2244" actId="20577"/>
       <pc:docMkLst>
         <pc:docMk/>
       </pc:docMkLst>
@@ -164,14 +165,14 @@
           <pc:sldMk cId="516025138" sldId="256"/>
         </pc:sldMkLst>
       </pc:sldChg>
-      <pc:sldChg chg="modSp new ord">
-        <pc:chgData name="Cade Conklin" userId="814829c21bc3e5bc" providerId="LiveId" clId="{E1B7C371-B183-4855-BB6F-1680507B463F}" dt="2023-05-13T15:22:26.837" v="84"/>
+      <pc:sldChg chg="modSp new mod ord modTransition">
+        <pc:chgData name="Cade Conklin" userId="814829c21bc3e5bc" providerId="LiveId" clId="{E1B7C371-B183-4855-BB6F-1680507B463F}" dt="2023-05-16T02:11:55.486" v="1479" actId="20577"/>
         <pc:sldMkLst>
           <pc:docMk/>
           <pc:sldMk cId="1579348975" sldId="257"/>
         </pc:sldMkLst>
         <pc:spChg chg="mod">
-          <ac:chgData name="Cade Conklin" userId="814829c21bc3e5bc" providerId="LiveId" clId="{E1B7C371-B183-4855-BB6F-1680507B463F}" dt="2023-05-13T15:21:34.613" v="72"/>
+          <ac:chgData name="Cade Conklin" userId="814829c21bc3e5bc" providerId="LiveId" clId="{E1B7C371-B183-4855-BB6F-1680507B463F}" dt="2023-05-16T02:03:29.550" v="1224" actId="20577"/>
           <ac:spMkLst>
             <pc:docMk/>
             <pc:sldMk cId="1579348975" sldId="257"/>
@@ -179,7 +180,7 @@
           </ac:spMkLst>
         </pc:spChg>
         <pc:spChg chg="mod">
-          <ac:chgData name="Cade Conklin" userId="814829c21bc3e5bc" providerId="LiveId" clId="{E1B7C371-B183-4855-BB6F-1680507B463F}" dt="2023-05-13T15:21:34.613" v="72"/>
+          <ac:chgData name="Cade Conklin" userId="814829c21bc3e5bc" providerId="LiveId" clId="{E1B7C371-B183-4855-BB6F-1680507B463F}" dt="2023-05-16T02:11:46.185" v="1463" actId="20577"/>
           <ac:spMkLst>
             <pc:docMk/>
             <pc:sldMk cId="1579348975" sldId="257"/>
@@ -187,7 +188,7 @@
           </ac:spMkLst>
         </pc:spChg>
         <pc:spChg chg="mod">
-          <ac:chgData name="Cade Conklin" userId="814829c21bc3e5bc" providerId="LiveId" clId="{E1B7C371-B183-4855-BB6F-1680507B463F}" dt="2023-05-13T15:21:34.613" v="72"/>
+          <ac:chgData name="Cade Conklin" userId="814829c21bc3e5bc" providerId="LiveId" clId="{E1B7C371-B183-4855-BB6F-1680507B463F}" dt="2023-05-16T02:11:55.486" v="1479" actId="20577"/>
           <ac:spMkLst>
             <pc:docMk/>
             <pc:sldMk cId="1579348975" sldId="257"/>
@@ -240,12 +241,68 @@
           <pc:sldMk cId="2735418106" sldId="258"/>
         </pc:sldMkLst>
       </pc:sldChg>
-      <pc:sldChg chg="new">
-        <pc:chgData name="Cade Conklin" userId="814829c21bc3e5bc" providerId="LiveId" clId="{E1B7C371-B183-4855-BB6F-1680507B463F}" dt="2023-05-13T15:22:23.222" v="81" actId="680"/>
+      <pc:sldChg chg="addSp delSp modSp new mod modTransition">
+        <pc:chgData name="Cade Conklin" userId="814829c21bc3e5bc" providerId="LiveId" clId="{E1B7C371-B183-4855-BB6F-1680507B463F}" dt="2023-05-16T02:20:43.820" v="2244" actId="20577"/>
         <pc:sldMkLst>
           <pc:docMk/>
           <pc:sldMk cId="3733557464" sldId="259"/>
         </pc:sldMkLst>
+        <pc:spChg chg="mod">
+          <ac:chgData name="Cade Conklin" userId="814829c21bc3e5bc" providerId="LiveId" clId="{E1B7C371-B183-4855-BB6F-1680507B463F}" dt="2023-05-16T02:02:52.798" v="1189" actId="20577"/>
+          <ac:spMkLst>
+            <pc:docMk/>
+            <pc:sldMk cId="3733557464" sldId="259"/>
+            <ac:spMk id="2" creationId="{90B77746-7C21-8B06-CFC5-45AA224AD215}"/>
+          </ac:spMkLst>
+        </pc:spChg>
+        <pc:spChg chg="mod">
+          <ac:chgData name="Cade Conklin" userId="814829c21bc3e5bc" providerId="LiveId" clId="{E1B7C371-B183-4855-BB6F-1680507B463F}" dt="2023-05-16T02:20:33.213" v="2236" actId="6549"/>
+          <ac:spMkLst>
+            <pc:docMk/>
+            <pc:sldMk cId="3733557464" sldId="259"/>
+            <ac:spMk id="3" creationId="{ECE7E144-EFE3-F81B-46EE-5AA9A3DF64C0}"/>
+          </ac:spMkLst>
+        </pc:spChg>
+        <pc:spChg chg="mod">
+          <ac:chgData name="Cade Conklin" userId="814829c21bc3e5bc" providerId="LiveId" clId="{E1B7C371-B183-4855-BB6F-1680507B463F}" dt="2023-05-16T02:20:28.939" v="2232" actId="313"/>
+          <ac:spMkLst>
+            <pc:docMk/>
+            <pc:sldMk cId="3733557464" sldId="259"/>
+            <ac:spMk id="4" creationId="{1409C81A-7B92-59CB-A07F-11ADF2248C20}"/>
+          </ac:spMkLst>
+        </pc:spChg>
+        <pc:spChg chg="add del mod">
+          <ac:chgData name="Cade Conklin" userId="814829c21bc3e5bc" providerId="LiveId" clId="{E1B7C371-B183-4855-BB6F-1680507B463F}" dt="2023-05-16T02:08:35.474" v="1297"/>
+          <ac:spMkLst>
+            <pc:docMk/>
+            <pc:sldMk cId="3733557464" sldId="259"/>
+            <ac:spMk id="6" creationId="{F4CF759F-3088-EB3E-F9C9-818C6326264F}"/>
+          </ac:spMkLst>
+        </pc:spChg>
+        <pc:spChg chg="add mod">
+          <ac:chgData name="Cade Conklin" userId="814829c21bc3e5bc" providerId="LiveId" clId="{E1B7C371-B183-4855-BB6F-1680507B463F}" dt="2023-05-16T02:20:43.820" v="2244" actId="20577"/>
+          <ac:spMkLst>
+            <pc:docMk/>
+            <pc:sldMk cId="3733557464" sldId="259"/>
+            <ac:spMk id="7" creationId="{A21CFA20-D107-1B1A-35B1-FED1D7FDD737}"/>
+          </ac:spMkLst>
+        </pc:spChg>
+        <pc:picChg chg="add mod">
+          <ac:chgData name="Cade Conklin" userId="814829c21bc3e5bc" providerId="LiveId" clId="{E1B7C371-B183-4855-BB6F-1680507B463F}" dt="2023-05-16T02:04:53.809" v="1230" actId="1076"/>
+          <ac:picMkLst>
+            <pc:docMk/>
+            <pc:sldMk cId="3733557464" sldId="259"/>
+            <ac:picMk id="5" creationId="{C817B3B2-CB19-0A3B-5510-4AAD8663D632}"/>
+          </ac:picMkLst>
+        </pc:picChg>
+        <pc:picChg chg="add del">
+          <ac:chgData name="Cade Conklin" userId="814829c21bc3e5bc" providerId="LiveId" clId="{E1B7C371-B183-4855-BB6F-1680507B463F}" dt="2023-05-16T02:08:41.984" v="1299"/>
+          <ac:picMkLst>
+            <pc:docMk/>
+            <pc:sldMk cId="3733557464" sldId="259"/>
+            <ac:picMk id="1026" creationId="{0957683E-7F1E-6EA0-7206-65A633AA9035}"/>
+          </ac:picMkLst>
+        </pc:picChg>
       </pc:sldChg>
       <pc:sldChg chg="modSp new del">
         <pc:chgData name="Cade Conklin" userId="814829c21bc3e5bc" providerId="LiveId" clId="{E1B7C371-B183-4855-BB6F-1680507B463F}" dt="2023-05-13T15:21:53.923" v="74" actId="47"/>
@@ -278,12 +335,20 @@
           </ac:spMkLst>
         </pc:spChg>
       </pc:sldChg>
-      <pc:sldChg chg="new">
-        <pc:chgData name="Cade Conklin" userId="814829c21bc3e5bc" providerId="LiveId" clId="{E1B7C371-B183-4855-BB6F-1680507B463F}" dt="2023-05-13T15:22:25.641" v="82" actId="680"/>
+      <pc:sldChg chg="modSp new mod modTransition">
+        <pc:chgData name="Cade Conklin" userId="814829c21bc3e5bc" providerId="LiveId" clId="{E1B7C371-B183-4855-BB6F-1680507B463F}" dt="2023-05-16T02:07:07.188" v="1291"/>
         <pc:sldMkLst>
           <pc:docMk/>
           <pc:sldMk cId="1869146078" sldId="260"/>
         </pc:sldMkLst>
+        <pc:spChg chg="mod">
+          <ac:chgData name="Cade Conklin" userId="814829c21bc3e5bc" providerId="LiveId" clId="{E1B7C371-B183-4855-BB6F-1680507B463F}" dt="2023-05-16T02:03:00.501" v="1205" actId="20577"/>
+          <ac:spMkLst>
+            <pc:docMk/>
+            <pc:sldMk cId="1869146078" sldId="260"/>
+            <ac:spMk id="2" creationId="{ED596D1B-1D8E-9A2E-00A5-CACB1C3CFE4C}"/>
+          </ac:spMkLst>
+        </pc:spChg>
       </pc:sldChg>
       <pc:sldChg chg="modSp new del">
         <pc:chgData name="Cade Conklin" userId="814829c21bc3e5bc" providerId="LiveId" clId="{E1B7C371-B183-4855-BB6F-1680507B463F}" dt="2023-05-13T15:21:54.378" v="75" actId="47"/>
@@ -316,8 +381,8 @@
           </ac:spMkLst>
         </pc:spChg>
       </pc:sldChg>
-      <pc:sldChg chg="modSp new mod ord">
-        <pc:chgData name="Cade Conklin" userId="814829c21bc3e5bc" providerId="LiveId" clId="{E1B7C371-B183-4855-BB6F-1680507B463F}" dt="2023-05-13T15:26:41.897" v="528" actId="20577"/>
+      <pc:sldChg chg="modSp new mod ord modTransition">
+        <pc:chgData name="Cade Conklin" userId="814829c21bc3e5bc" providerId="LiveId" clId="{E1B7C371-B183-4855-BB6F-1680507B463F}" dt="2023-05-16T02:06:54.612" v="1288"/>
         <pc:sldMkLst>
           <pc:docMk/>
           <pc:sldMk cId="2802631913" sldId="261"/>
@@ -339,14 +404,14 @@
           </ac:spMkLst>
         </pc:spChg>
       </pc:sldChg>
-      <pc:sldChg chg="modSp add mod">
-        <pc:chgData name="Cade Conklin" userId="814829c21bc3e5bc" providerId="LiveId" clId="{E1B7C371-B183-4855-BB6F-1680507B463F}" dt="2023-05-16T01:53:02.225" v="535" actId="20577"/>
+      <pc:sldChg chg="addSp modSp add mod modTransition">
+        <pc:chgData name="Cade Conklin" userId="814829c21bc3e5bc" providerId="LiveId" clId="{E1B7C371-B183-4855-BB6F-1680507B463F}" dt="2023-05-16T02:07:03.664" v="1289"/>
         <pc:sldMkLst>
           <pc:docMk/>
           <pc:sldMk cId="2857284788" sldId="262"/>
         </pc:sldMkLst>
         <pc:spChg chg="mod">
-          <ac:chgData name="Cade Conklin" userId="814829c21bc3e5bc" providerId="LiveId" clId="{E1B7C371-B183-4855-BB6F-1680507B463F}" dt="2023-05-16T01:53:02.225" v="535" actId="20577"/>
+          <ac:chgData name="Cade Conklin" userId="814829c21bc3e5bc" providerId="LiveId" clId="{E1B7C371-B183-4855-BB6F-1680507B463F}" dt="2023-05-16T01:55:31.985" v="631" actId="5793"/>
           <ac:spMkLst>
             <pc:docMk/>
             <pc:sldMk cId="2857284788" sldId="262"/>
@@ -354,11 +419,42 @@
           </ac:spMkLst>
         </pc:spChg>
         <pc:spChg chg="mod">
-          <ac:chgData name="Cade Conklin" userId="814829c21bc3e5bc" providerId="LiveId" clId="{E1B7C371-B183-4855-BB6F-1680507B463F}" dt="2023-05-16T01:52:58.239" v="530" actId="20577"/>
+          <ac:chgData name="Cade Conklin" userId="814829c21bc3e5bc" providerId="LiveId" clId="{E1B7C371-B183-4855-BB6F-1680507B463F}" dt="2023-05-16T02:01:32.390" v="1169" actId="20577"/>
           <ac:spMkLst>
             <pc:docMk/>
             <pc:sldMk cId="2857284788" sldId="262"/>
             <ac:spMk id="3" creationId="{7B972AF0-E56B-E66D-0C93-3868D1EF131E}"/>
+          </ac:spMkLst>
+        </pc:spChg>
+        <pc:picChg chg="add mod">
+          <ac:chgData name="Cade Conklin" userId="814829c21bc3e5bc" providerId="LiveId" clId="{E1B7C371-B183-4855-BB6F-1680507B463F}" dt="2023-05-16T02:01:30.093" v="1168" actId="1076"/>
+          <ac:picMkLst>
+            <pc:docMk/>
+            <pc:sldMk cId="2857284788" sldId="262"/>
+            <ac:picMk id="4" creationId="{4D7BFD31-4FFC-2754-6FBC-83164483B9DA}"/>
+          </ac:picMkLst>
+        </pc:picChg>
+      </pc:sldChg>
+      <pc:sldChg chg="delSp modSp new mod modTransition">
+        <pc:chgData name="Cade Conklin" userId="814829c21bc3e5bc" providerId="LiveId" clId="{E1B7C371-B183-4855-BB6F-1680507B463F}" dt="2023-05-16T02:07:10.498" v="1293"/>
+        <pc:sldMkLst>
+          <pc:docMk/>
+          <pc:sldMk cId="1594456778" sldId="263"/>
+        </pc:sldMkLst>
+        <pc:spChg chg="mod">
+          <ac:chgData name="Cade Conklin" userId="814829c21bc3e5bc" providerId="LiveId" clId="{E1B7C371-B183-4855-BB6F-1680507B463F}" dt="2023-05-16T02:06:22.381" v="1286" actId="20577"/>
+          <ac:spMkLst>
+            <pc:docMk/>
+            <pc:sldMk cId="1594456778" sldId="263"/>
+            <ac:spMk id="2" creationId="{A2004353-06C3-C561-C44E-02643DB91F02}"/>
+          </ac:spMkLst>
+        </pc:spChg>
+        <pc:spChg chg="del">
+          <ac:chgData name="Cade Conklin" userId="814829c21bc3e5bc" providerId="LiveId" clId="{E1B7C371-B183-4855-BB6F-1680507B463F}" dt="2023-05-16T02:06:28.949" v="1287" actId="478"/>
+          <ac:spMkLst>
+            <pc:docMk/>
+            <pc:sldMk cId="1594456778" sldId="263"/>
+            <ac:spMk id="3" creationId="{680D0050-177D-3BBD-70B6-104D1298FB1E}"/>
           </ac:spMkLst>
         </pc:spChg>
       </pc:sldChg>
@@ -4227,6 +4323,18 @@
   <p:clrMapOvr>
     <a:masterClrMapping/>
   </p:clrMapOvr>
+  <mc:AlternateContent xmlns:mc="http://schemas.openxmlformats.org/markup-compatibility/2006">
+    <mc:Choice xmlns:p159="http://schemas.microsoft.com/office/powerpoint/2015/09/main" Requires="p159">
+      <p:transition xmlns:p14="http://schemas.microsoft.com/office/powerpoint/2010/main" spd="slow" p14:dur="2000">
+        <p159:morph option="byObject"/>
+      </p:transition>
+    </mc:Choice>
+    <mc:Fallback>
+      <p:transition spd="slow">
+        <p:fade/>
+      </p:transition>
+    </mc:Fallback>
+  </mc:AlternateContent>
 </p:sld>
 </file>
 
@@ -4269,10 +4377,9 @@
           <a:lstStyle/>
           <a:p>
             <a:r>
-              <a:rPr lang="en-US"/>
-              <a:t>What </a:t>
-            </a:r>
-            <a:endParaRPr lang="en-US" dirty="0"/>
+              <a:rPr lang="en-US" dirty="0"/>
+              <a:t>What Actually Happened…</a:t>
+            </a:r>
           </a:p>
         </p:txBody>
       </p:sp>
@@ -4303,11 +4410,64 @@
             </a:pPr>
             <a:r>
               <a:rPr lang="en-US" dirty="0"/>
-              <a:t> </a:t>
-            </a:r>
-          </a:p>
-        </p:txBody>
-      </p:sp>
+              <a:t> We pivoted to a weather monitor </a:t>
+            </a:r>
+          </a:p>
+          <a:p>
+            <a:pPr>
+              <a:buFont typeface="Arial" panose="020B0604020202020204" pitchFamily="34" charset="0"/>
+              <a:buChar char="•"/>
+            </a:pPr>
+            <a:r>
+              <a:rPr lang="en-US" dirty="0"/>
+              <a:t> Our project scrapes weather.gov for the current weather type and temperature of Spokane, then based on that information, the color and the number of pixels lighting up will change from run to run. </a:t>
+            </a:r>
+          </a:p>
+          <a:p>
+            <a:pPr marL="0" indent="0">
+              <a:buNone/>
+            </a:pPr>
+            <a:endParaRPr lang="en-US" dirty="0"/>
+          </a:p>
+          <a:p>
+            <a:pPr>
+              <a:buFont typeface="Arial" panose="020B0604020202020204" pitchFamily="34" charset="0"/>
+              <a:buChar char="•"/>
+            </a:pPr>
+            <a:endParaRPr lang="en-US" dirty="0"/>
+          </a:p>
+        </p:txBody>
+      </p:sp>
+      <p:pic>
+        <p:nvPicPr>
+          <p:cNvPr id="4" name="Picture 3">
+            <a:extLst>
+              <a:ext uri="{FF2B5EF4-FFF2-40B4-BE49-F238E27FC236}">
+                <a16:creationId xmlns:a16="http://schemas.microsoft.com/office/drawing/2014/main" id="{4D7BFD31-4FFC-2754-6FBC-83164483B9DA}"/>
+              </a:ext>
+            </a:extLst>
+          </p:cNvPr>
+          <p:cNvPicPr>
+            <a:picLocks noChangeAspect="1"/>
+          </p:cNvPicPr>
+          <p:nvPr/>
+        </p:nvPicPr>
+        <p:blipFill>
+          <a:blip r:embed="rId2"/>
+          <a:stretch>
+            <a:fillRect/>
+          </a:stretch>
+        </p:blipFill>
+        <p:spPr>
+          <a:xfrm>
+            <a:off x="4343400" y="3093412"/>
+            <a:ext cx="3347357" cy="3347357"/>
+          </a:xfrm>
+          <a:prstGeom prst="rect">
+            <a:avLst/>
+          </a:prstGeom>
+        </p:spPr>
+      </p:pic>
     </p:spTree>
     <p:extLst>
       <p:ext uri="{BB962C8B-B14F-4D97-AF65-F5344CB8AC3E}">
@@ -4318,6 +4478,18 @@
   <p:clrMapOvr>
     <a:masterClrMapping/>
   </p:clrMapOvr>
+  <mc:AlternateContent xmlns:mc="http://schemas.openxmlformats.org/markup-compatibility/2006">
+    <mc:Choice xmlns:p159="http://schemas.microsoft.com/office/powerpoint/2015/09/main" Requires="p159">
+      <p:transition xmlns:p14="http://schemas.microsoft.com/office/powerpoint/2010/main" spd="slow" p14:dur="2000">
+        <p159:morph option="byObject"/>
+      </p:transition>
+    </mc:Choice>
+    <mc:Fallback>
+      <p:transition spd="slow">
+        <p:fade/>
+      </p:transition>
+    </mc:Fallback>
+  </mc:AlternateContent>
 </p:sld>
 </file>
 
@@ -4359,7 +4531,10 @@
           <a:bodyPr/>
           <a:lstStyle/>
           <a:p>
-            <a:endParaRPr lang="en-US"/>
+            <a:r>
+              <a:rPr lang="en-US" dirty="0"/>
+              <a:t>Cades Reflection</a:t>
+            </a:r>
           </a:p>
         </p:txBody>
       </p:sp>
@@ -4379,12 +4554,74 @@
             <p:ph idx="1"/>
           </p:nvPr>
         </p:nvSpPr>
-        <p:spPr/>
-        <p:txBody>
-          <a:bodyPr/>
-          <a:lstStyle/>
-          <a:p>
-            <a:endParaRPr lang="en-US"/>
+        <p:spPr>
+          <a:xfrm>
+            <a:off x="4800600" y="731520"/>
+            <a:ext cx="6492240" cy="2286000"/>
+          </a:xfrm>
+        </p:spPr>
+        <p:txBody>
+          <a:bodyPr>
+            <a:normAutofit lnSpcReduction="10000"/>
+          </a:bodyPr>
+          <a:lstStyle/>
+          <a:p>
+            <a:pPr>
+              <a:lnSpc>
+                <a:spcPct val="100000"/>
+              </a:lnSpc>
+            </a:pPr>
+            <a:r>
+              <a:rPr lang="en-US" u="sng" dirty="0"/>
+              <a:t>What Went Well:</a:t>
+            </a:r>
+          </a:p>
+          <a:p>
+            <a:pPr>
+              <a:lnSpc>
+                <a:spcPct val="100000"/>
+              </a:lnSpc>
+            </a:pPr>
+            <a:r>
+              <a:rPr lang="en-US" dirty="0"/>
+              <a:t>- </a:t>
+            </a:r>
+          </a:p>
+          <a:p>
+            <a:pPr>
+              <a:lnSpc>
+                <a:spcPct val="100000"/>
+              </a:lnSpc>
+            </a:pPr>
+            <a:r>
+              <a:rPr lang="en-US" dirty="0"/>
+              <a:t>- </a:t>
+            </a:r>
+          </a:p>
+          <a:p>
+            <a:pPr>
+              <a:lnSpc>
+                <a:spcPct val="100000"/>
+              </a:lnSpc>
+            </a:pPr>
+            <a:r>
+              <a:rPr lang="en-US" dirty="0"/>
+              <a:t>- </a:t>
+            </a:r>
+          </a:p>
+          <a:p>
+            <a:pPr>
+              <a:lnSpc>
+                <a:spcPct val="100000"/>
+              </a:lnSpc>
+            </a:pPr>
+            <a:r>
+              <a:rPr lang="en-US" dirty="0"/>
+              <a:t>- </a:t>
+            </a:r>
+          </a:p>
+          <a:p>
+            <a:endParaRPr lang="en-US" dirty="0"/>
           </a:p>
         </p:txBody>
       </p:sp>
@@ -4409,7 +4646,117 @@
           <a:bodyPr/>
           <a:lstStyle/>
           <a:p>
-            <a:endParaRPr lang="en-US"/>
+            <a:r>
+              <a:rPr lang="en-US" dirty="0"/>
+              <a:t>Overall, this project does demonstrate what we were trying to accomplish albeit at a very abstracted level, but the idea is there. With that being said, I would say that this was fully a successful project but not. Through this project I definitely sharpened most of the skills learned throughout the semester, but there where a few points of struggle.</a:t>
+            </a:r>
+          </a:p>
+        </p:txBody>
+      </p:sp>
+      <p:pic>
+        <p:nvPicPr>
+          <p:cNvPr id="5" name="Picture 4">
+            <a:extLst>
+              <a:ext uri="{FF2B5EF4-FFF2-40B4-BE49-F238E27FC236}">
+                <a16:creationId xmlns:a16="http://schemas.microsoft.com/office/drawing/2014/main" id="{C817B3B2-CB19-0A3B-5510-4AAD8663D632}"/>
+              </a:ext>
+            </a:extLst>
+          </p:cNvPr>
+          <p:cNvPicPr>
+            <a:picLocks noChangeAspect="1"/>
+          </p:cNvPicPr>
+          <p:nvPr/>
+        </p:nvPicPr>
+        <p:blipFill>
+          <a:blip r:embed="rId2"/>
+          <a:stretch>
+            <a:fillRect/>
+          </a:stretch>
+        </p:blipFill>
+        <p:spPr>
+          <a:xfrm>
+            <a:off x="730985" y="-114874"/>
+            <a:ext cx="2338153" cy="2338153"/>
+          </a:xfrm>
+          <a:prstGeom prst="rect">
+            <a:avLst/>
+          </a:prstGeom>
+        </p:spPr>
+      </p:pic>
+      <p:sp>
+        <p:nvSpPr>
+          <p:cNvPr id="7" name="TextBox 6">
+            <a:extLst>
+              <a:ext uri="{FF2B5EF4-FFF2-40B4-BE49-F238E27FC236}">
+                <a16:creationId xmlns:a16="http://schemas.microsoft.com/office/drawing/2014/main" id="{A21CFA20-D107-1B1A-35B1-FED1D7FDD737}"/>
+              </a:ext>
+            </a:extLst>
+          </p:cNvPr>
+          <p:cNvSpPr txBox="1"/>
+          <p:nvPr/>
+        </p:nvSpPr>
+        <p:spPr>
+          <a:xfrm>
+            <a:off x="4800600" y="3267027"/>
+            <a:ext cx="6496835" cy="2831544"/>
+          </a:xfrm>
+          <a:prstGeom prst="rect">
+            <a:avLst/>
+          </a:prstGeom>
+          <a:noFill/>
+        </p:spPr>
+        <p:txBody>
+          <a:bodyPr wrap="square" rtlCol="0">
+            <a:spAutoFit/>
+          </a:bodyPr>
+          <a:lstStyle/>
+          <a:p>
+            <a:r>
+              <a:rPr lang="en-US" sz="2000" u="sng" dirty="0"/>
+              <a:t>Struggles:</a:t>
+            </a:r>
+          </a:p>
+          <a:p>
+            <a:r>
+              <a:rPr lang="en-US" sz="2000" dirty="0"/>
+              <a:t>- F</a:t>
+            </a:r>
+          </a:p>
+          <a:p>
+            <a:endParaRPr lang="en-US" sz="2000" dirty="0"/>
+          </a:p>
+          <a:p>
+            <a:r>
+              <a:rPr lang="en-US" sz="2000" dirty="0"/>
+              <a:t>-</a:t>
+            </a:r>
+          </a:p>
+          <a:p>
+            <a:r>
+              <a:rPr lang="en-US" sz="2000" dirty="0"/>
+              <a:t> </a:t>
+            </a:r>
+          </a:p>
+          <a:p>
+            <a:r>
+              <a:rPr lang="en-US" sz="2000" dirty="0"/>
+              <a:t>-</a:t>
+            </a:r>
+          </a:p>
+          <a:p>
+            <a:r>
+              <a:rPr lang="en-US" sz="2000" dirty="0"/>
+              <a:t> </a:t>
+            </a:r>
+          </a:p>
+          <a:p>
+            <a:r>
+              <a:rPr lang="en-US" sz="2000" dirty="0"/>
+              <a:t>- </a:t>
+            </a:r>
+          </a:p>
+          <a:p>
+            <a:endParaRPr lang="en-US" dirty="0"/>
           </a:p>
         </p:txBody>
       </p:sp>
@@ -4423,6 +4770,18 @@
   <p:clrMapOvr>
     <a:masterClrMapping/>
   </p:clrMapOvr>
+  <mc:AlternateContent xmlns:mc="http://schemas.openxmlformats.org/markup-compatibility/2006">
+    <mc:Choice xmlns:p159="http://schemas.microsoft.com/office/powerpoint/2015/09/main" Requires="p159">
+      <p:transition xmlns:p14="http://schemas.microsoft.com/office/powerpoint/2010/main" spd="slow" p14:dur="2000">
+        <p159:morph option="byObject"/>
+      </p:transition>
+    </mc:Choice>
+    <mc:Fallback>
+      <p:transition spd="slow">
+        <p:fade/>
+      </p:transition>
+    </mc:Fallback>
+  </mc:AlternateContent>
 </p:sld>
 </file>
 
@@ -4464,7 +4823,10 @@
           <a:bodyPr/>
           <a:lstStyle/>
           <a:p>
-            <a:endParaRPr lang="en-US"/>
+            <a:r>
+              <a:rPr lang="en-US" dirty="0"/>
+              <a:t>Wes Reflection</a:t>
+            </a:r>
           </a:p>
         </p:txBody>
       </p:sp>
@@ -4528,6 +4890,18 @@
   <p:clrMapOvr>
     <a:masterClrMapping/>
   </p:clrMapOvr>
+  <mc:AlternateContent xmlns:mc="http://schemas.openxmlformats.org/markup-compatibility/2006">
+    <mc:Choice xmlns:p159="http://schemas.microsoft.com/office/powerpoint/2015/09/main" Requires="p159">
+      <p:transition xmlns:p14="http://schemas.microsoft.com/office/powerpoint/2010/main" spd="slow" p14:dur="2000">
+        <p159:morph option="byObject"/>
+      </p:transition>
+    </mc:Choice>
+    <mc:Fallback>
+      <p:transition spd="slow">
+        <p:fade/>
+      </p:transition>
+    </mc:Fallback>
+  </mc:AlternateContent>
 </p:sld>
 </file>
 
@@ -4569,7 +4943,10 @@
           <a:bodyPr/>
           <a:lstStyle/>
           <a:p>
-            <a:endParaRPr lang="en-US"/>
+            <a:r>
+              <a:rPr lang="en-US" dirty="0"/>
+              <a:t>Future Work</a:t>
+            </a:r>
           </a:p>
         </p:txBody>
       </p:sp>
@@ -4594,7 +4971,40 @@
           <a:bodyPr/>
           <a:lstStyle/>
           <a:p>
-            <a:endParaRPr lang="en-US"/>
+            <a:r>
+              <a:rPr lang="en-US" u="sng" dirty="0"/>
+              <a:t>Immediate Fixes:</a:t>
+            </a:r>
+          </a:p>
+          <a:p>
+            <a:r>
+              <a:rPr lang="en-US" dirty="0"/>
+              <a:t>- </a:t>
+            </a:r>
+          </a:p>
+          <a:p>
+            <a:r>
+              <a:rPr lang="en-US" dirty="0"/>
+              <a:t>- </a:t>
+            </a:r>
+          </a:p>
+          <a:p>
+            <a:r>
+              <a:rPr lang="en-US" dirty="0"/>
+              <a:t>- </a:t>
+            </a:r>
+          </a:p>
+          <a:p>
+            <a:r>
+              <a:rPr lang="en-US" dirty="0"/>
+              <a:t>- </a:t>
+            </a:r>
+          </a:p>
+          <a:p>
+            <a:r>
+              <a:rPr lang="en-US" dirty="0"/>
+              <a:t>- </a:t>
+            </a:r>
           </a:p>
         </p:txBody>
       </p:sp>
@@ -4619,7 +5029,40 @@
           <a:bodyPr/>
           <a:lstStyle/>
           <a:p>
-            <a:endParaRPr lang="en-US"/>
+            <a:r>
+              <a:rPr lang="en-US" u="sng" dirty="0"/>
+              <a:t>Ideas:</a:t>
+            </a:r>
+          </a:p>
+          <a:p>
+            <a:r>
+              <a:rPr lang="en-US" dirty="0"/>
+              <a:t>- </a:t>
+            </a:r>
+          </a:p>
+          <a:p>
+            <a:r>
+              <a:rPr lang="en-US" dirty="0"/>
+              <a:t>- </a:t>
+            </a:r>
+          </a:p>
+          <a:p>
+            <a:r>
+              <a:rPr lang="en-US" dirty="0"/>
+              <a:t>- </a:t>
+            </a:r>
+          </a:p>
+          <a:p>
+            <a:r>
+              <a:rPr lang="en-US" dirty="0"/>
+              <a:t>- </a:t>
+            </a:r>
+          </a:p>
+          <a:p>
+            <a:r>
+              <a:rPr lang="en-US" dirty="0"/>
+              <a:t>- </a:t>
+            </a:r>
           </a:p>
         </p:txBody>
       </p:sp>
@@ -4633,6 +5076,89 @@
   <p:clrMapOvr>
     <a:masterClrMapping/>
   </p:clrMapOvr>
+  <mc:AlternateContent xmlns:mc="http://schemas.openxmlformats.org/markup-compatibility/2006">
+    <mc:Choice xmlns:p159="http://schemas.microsoft.com/office/powerpoint/2015/09/main" Requires="p159">
+      <p:transition xmlns:p14="http://schemas.microsoft.com/office/powerpoint/2010/main" spd="slow" p14:dur="2000">
+        <p159:morph option="byObject"/>
+      </p:transition>
+    </mc:Choice>
+    <mc:Fallback>
+      <p:transition spd="slow">
+        <p:fade/>
+      </p:transition>
+    </mc:Fallback>
+  </mc:AlternateContent>
+</p:sld>
+</file>
+
+<file path=ppt/slides/slide7.xml><?xml version="1.0" encoding="utf-8"?>
+<p:sld xmlns:a="http://schemas.openxmlformats.org/drawingml/2006/main" xmlns:r="http://schemas.openxmlformats.org/officeDocument/2006/relationships" xmlns:p="http://schemas.openxmlformats.org/presentationml/2006/main">
+  <p:cSld>
+    <p:spTree>
+      <p:nvGrpSpPr>
+        <p:cNvPr id="1" name=""/>
+        <p:cNvGrpSpPr/>
+        <p:nvPr/>
+      </p:nvGrpSpPr>
+      <p:grpSpPr>
+        <a:xfrm>
+          <a:off x="0" y="0"/>
+          <a:ext cx="0" cy="0"/>
+          <a:chOff x="0" y="0"/>
+          <a:chExt cx="0" cy="0"/>
+        </a:xfrm>
+      </p:grpSpPr>
+      <p:sp>
+        <p:nvSpPr>
+          <p:cNvPr id="2" name="Title 1">
+            <a:extLst>
+              <a:ext uri="{FF2B5EF4-FFF2-40B4-BE49-F238E27FC236}">
+                <a16:creationId xmlns:a16="http://schemas.microsoft.com/office/drawing/2014/main" id="{A2004353-06C3-C561-C44E-02643DB91F02}"/>
+              </a:ext>
+            </a:extLst>
+          </p:cNvPr>
+          <p:cNvSpPr>
+            <a:spLocks noGrp="1"/>
+          </p:cNvSpPr>
+          <p:nvPr>
+            <p:ph type="title"/>
+          </p:nvPr>
+        </p:nvSpPr>
+        <p:spPr/>
+        <p:txBody>
+          <a:bodyPr/>
+          <a:lstStyle/>
+          <a:p>
+            <a:pPr algn="ctr"/>
+            <a:r>
+              <a:rPr lang="en-US" dirty="0"/>
+              <a:t>Thank You</a:t>
+            </a:r>
+          </a:p>
+        </p:txBody>
+      </p:sp>
+    </p:spTree>
+    <p:extLst>
+      <p:ext uri="{BB962C8B-B14F-4D97-AF65-F5344CB8AC3E}">
+        <p14:creationId xmlns:p14="http://schemas.microsoft.com/office/powerpoint/2010/main" val="1594456778"/>
+      </p:ext>
+    </p:extLst>
+  </p:cSld>
+  <p:clrMapOvr>
+    <a:masterClrMapping/>
+  </p:clrMapOvr>
+  <mc:AlternateContent xmlns:mc="http://schemas.openxmlformats.org/markup-compatibility/2006">
+    <mc:Choice xmlns:p159="http://schemas.microsoft.com/office/powerpoint/2015/09/main" Requires="p159">
+      <p:transition xmlns:p14="http://schemas.microsoft.com/office/powerpoint/2010/main" spd="slow" p14:dur="2000">
+        <p159:morph option="byObject"/>
+      </p:transition>
+    </mc:Choice>
+    <mc:Fallback>
+      <p:transition spd="slow">
+        <p:fade/>
+      </p:transition>
+    </mc:Fallback>
+  </mc:AlternateContent>
 </p:sld>
 </file>
 

--- a/documentation/Presentation.pptx
+++ b/documentation/Presentation.pptx
@@ -8,10 +8,11 @@
     <p:sldId id="256" r:id="rId2"/>
     <p:sldId id="261" r:id="rId3"/>
     <p:sldId id="262" r:id="rId4"/>
-    <p:sldId id="259" r:id="rId5"/>
-    <p:sldId id="260" r:id="rId6"/>
-    <p:sldId id="257" r:id="rId7"/>
-    <p:sldId id="263" r:id="rId8"/>
+    <p:sldId id="264" r:id="rId5"/>
+    <p:sldId id="259" r:id="rId6"/>
+    <p:sldId id="260" r:id="rId7"/>
+    <p:sldId id="257" r:id="rId8"/>
+    <p:sldId id="263" r:id="rId9"/>
   </p:sldIdLst>
   <p:sldSz cx="12192000" cy="6858000"/>
   <p:notesSz cx="6858000" cy="9144000"/>
@@ -131,7 +132,7 @@
   <pc:docChgLst>
     <pc:chgData name="Cade Conklin" userId="814829c21bc3e5bc" providerId="LiveId" clId="{E1B7C371-B183-4855-BB6F-1680507B463F}"/>
     <pc:docChg chg="undo redo custSel addSld delSld modSld sldOrd">
-      <pc:chgData name="Cade Conklin" userId="814829c21bc3e5bc" providerId="LiveId" clId="{E1B7C371-B183-4855-BB6F-1680507B463F}" dt="2023-05-16T02:20:43.820" v="2244" actId="20577"/>
+      <pc:chgData name="Cade Conklin" userId="814829c21bc3e5bc" providerId="LiveId" clId="{E1B7C371-B183-4855-BB6F-1680507B463F}" dt="2023-05-16T02:49:44.109" v="3756" actId="478"/>
       <pc:docMkLst>
         <pc:docMk/>
       </pc:docMkLst>
@@ -165,8 +166,8 @@
           <pc:sldMk cId="516025138" sldId="256"/>
         </pc:sldMkLst>
       </pc:sldChg>
-      <pc:sldChg chg="modSp new mod ord modTransition">
-        <pc:chgData name="Cade Conklin" userId="814829c21bc3e5bc" providerId="LiveId" clId="{E1B7C371-B183-4855-BB6F-1680507B463F}" dt="2023-05-16T02:11:55.486" v="1479" actId="20577"/>
+      <pc:sldChg chg="addSp delSp modSp new mod ord modTransition">
+        <pc:chgData name="Cade Conklin" userId="814829c21bc3e5bc" providerId="LiveId" clId="{E1B7C371-B183-4855-BB6F-1680507B463F}" dt="2023-05-16T02:48:49.373" v="3749" actId="20577"/>
         <pc:sldMkLst>
           <pc:docMk/>
           <pc:sldMk cId="1579348975" sldId="257"/>
@@ -179,8 +180,8 @@
             <ac:spMk id="2" creationId="{8863F709-0CB9-DB73-92AD-A0739772A224}"/>
           </ac:spMkLst>
         </pc:spChg>
-        <pc:spChg chg="mod">
-          <ac:chgData name="Cade Conklin" userId="814829c21bc3e5bc" providerId="LiveId" clId="{E1B7C371-B183-4855-BB6F-1680507B463F}" dt="2023-05-16T02:11:46.185" v="1463" actId="20577"/>
+        <pc:spChg chg="del mod">
+          <ac:chgData name="Cade Conklin" userId="814829c21bc3e5bc" providerId="LiveId" clId="{E1B7C371-B183-4855-BB6F-1680507B463F}" dt="2023-05-16T02:48:33.698" v="3744" actId="478"/>
           <ac:spMkLst>
             <pc:docMk/>
             <pc:sldMk cId="1579348975" sldId="257"/>
@@ -188,11 +189,19 @@
           </ac:spMkLst>
         </pc:spChg>
         <pc:spChg chg="mod">
-          <ac:chgData name="Cade Conklin" userId="814829c21bc3e5bc" providerId="LiveId" clId="{E1B7C371-B183-4855-BB6F-1680507B463F}" dt="2023-05-16T02:11:55.486" v="1479" actId="20577"/>
+          <ac:chgData name="Cade Conklin" userId="814829c21bc3e5bc" providerId="LiveId" clId="{E1B7C371-B183-4855-BB6F-1680507B463F}" dt="2023-05-16T02:48:49.373" v="3749" actId="20577"/>
           <ac:spMkLst>
             <pc:docMk/>
             <pc:sldMk cId="1579348975" sldId="257"/>
             <ac:spMk id="4" creationId="{0B274D77-EBED-4983-3ED8-0D08A1991F82}"/>
+          </ac:spMkLst>
+        </pc:spChg>
+        <pc:spChg chg="add del mod">
+          <ac:chgData name="Cade Conklin" userId="814829c21bc3e5bc" providerId="LiveId" clId="{E1B7C371-B183-4855-BB6F-1680507B463F}" dt="2023-05-16T02:48:38.633" v="3745" actId="478"/>
+          <ac:spMkLst>
+            <pc:docMk/>
+            <pc:sldMk cId="1579348975" sldId="257"/>
+            <ac:spMk id="6" creationId="{0964DE12-9685-2D18-C0BF-4BA8F76ECC0C}"/>
           </ac:spMkLst>
         </pc:spChg>
       </pc:sldChg>
@@ -242,7 +251,7 @@
         </pc:sldMkLst>
       </pc:sldChg>
       <pc:sldChg chg="addSp delSp modSp new mod modTransition">
-        <pc:chgData name="Cade Conklin" userId="814829c21bc3e5bc" providerId="LiveId" clId="{E1B7C371-B183-4855-BB6F-1680507B463F}" dt="2023-05-16T02:20:43.820" v="2244" actId="20577"/>
+        <pc:chgData name="Cade Conklin" userId="814829c21bc3e5bc" providerId="LiveId" clId="{E1B7C371-B183-4855-BB6F-1680507B463F}" dt="2023-05-16T02:36:33.442" v="3273" actId="20577"/>
         <pc:sldMkLst>
           <pc:docMk/>
           <pc:sldMk cId="3733557464" sldId="259"/>
@@ -256,7 +265,7 @@
           </ac:spMkLst>
         </pc:spChg>
         <pc:spChg chg="mod">
-          <ac:chgData name="Cade Conklin" userId="814829c21bc3e5bc" providerId="LiveId" clId="{E1B7C371-B183-4855-BB6F-1680507B463F}" dt="2023-05-16T02:20:33.213" v="2236" actId="6549"/>
+          <ac:chgData name="Cade Conklin" userId="814829c21bc3e5bc" providerId="LiveId" clId="{E1B7C371-B183-4855-BB6F-1680507B463F}" dt="2023-05-16T02:32:21.872" v="2904" actId="20577"/>
           <ac:spMkLst>
             <pc:docMk/>
             <pc:sldMk cId="3733557464" sldId="259"/>
@@ -264,7 +273,7 @@
           </ac:spMkLst>
         </pc:spChg>
         <pc:spChg chg="mod">
-          <ac:chgData name="Cade Conklin" userId="814829c21bc3e5bc" providerId="LiveId" clId="{E1B7C371-B183-4855-BB6F-1680507B463F}" dt="2023-05-16T02:20:28.939" v="2232" actId="313"/>
+          <ac:chgData name="Cade Conklin" userId="814829c21bc3e5bc" providerId="LiveId" clId="{E1B7C371-B183-4855-BB6F-1680507B463F}" dt="2023-05-16T02:36:33.442" v="3273" actId="20577"/>
           <ac:spMkLst>
             <pc:docMk/>
             <pc:sldMk cId="3733557464" sldId="259"/>
@@ -280,7 +289,7 @@
           </ac:spMkLst>
         </pc:spChg>
         <pc:spChg chg="add mod">
-          <ac:chgData name="Cade Conklin" userId="814829c21bc3e5bc" providerId="LiveId" clId="{E1B7C371-B183-4855-BB6F-1680507B463F}" dt="2023-05-16T02:20:43.820" v="2244" actId="20577"/>
+          <ac:chgData name="Cade Conklin" userId="814829c21bc3e5bc" providerId="LiveId" clId="{E1B7C371-B183-4855-BB6F-1680507B463F}" dt="2023-05-16T02:34:23.853" v="3228" actId="20577"/>
           <ac:spMkLst>
             <pc:docMk/>
             <pc:sldMk cId="3733557464" sldId="259"/>
@@ -455,6 +464,29 @@
             <pc:docMk/>
             <pc:sldMk cId="1594456778" sldId="263"/>
             <ac:spMk id="3" creationId="{680D0050-177D-3BBD-70B6-104D1298FB1E}"/>
+          </ac:spMkLst>
+        </pc:spChg>
+      </pc:sldChg>
+      <pc:sldChg chg="delSp modSp new mod">
+        <pc:chgData name="Cade Conklin" userId="814829c21bc3e5bc" providerId="LiveId" clId="{E1B7C371-B183-4855-BB6F-1680507B463F}" dt="2023-05-16T02:49:44.109" v="3756" actId="478"/>
+        <pc:sldMkLst>
+          <pc:docMk/>
+          <pc:sldMk cId="1690257696" sldId="264"/>
+        </pc:sldMkLst>
+        <pc:spChg chg="mod">
+          <ac:chgData name="Cade Conklin" userId="814829c21bc3e5bc" providerId="LiveId" clId="{E1B7C371-B183-4855-BB6F-1680507B463F}" dt="2023-05-16T02:49:10.287" v="3755" actId="122"/>
+          <ac:spMkLst>
+            <pc:docMk/>
+            <pc:sldMk cId="1690257696" sldId="264"/>
+            <ac:spMk id="2" creationId="{B9712D98-E5E2-18F4-856C-C32227DC735B}"/>
+          </ac:spMkLst>
+        </pc:spChg>
+        <pc:spChg chg="del">
+          <ac:chgData name="Cade Conklin" userId="814829c21bc3e5bc" providerId="LiveId" clId="{E1B7C371-B183-4855-BB6F-1680507B463F}" dt="2023-05-16T02:49:44.109" v="3756" actId="478"/>
+          <ac:spMkLst>
+            <pc:docMk/>
+            <pc:sldMk cId="1690257696" sldId="264"/>
+            <ac:spMk id="3" creationId="{81885332-4493-0DA5-89C6-7B4A9D29FD87}"/>
           </ac:spMkLst>
         </pc:spChg>
       </pc:sldChg>
@@ -4323,13 +4355,13 @@
   <p:clrMapOvr>
     <a:masterClrMapping/>
   </p:clrMapOvr>
-  <mc:AlternateContent xmlns:mc="http://schemas.openxmlformats.org/markup-compatibility/2006">
-    <mc:Choice xmlns:p159="http://schemas.microsoft.com/office/powerpoint/2015/09/main" Requires="p159">
+  <mc:AlternateContent xmlns:mc="http://schemas.openxmlformats.org/markup-compatibility/2006" xmlns:p159="http://schemas.microsoft.com/office/powerpoint/2015/09/main">
+    <mc:Choice Requires="p159">
       <p:transition xmlns:p14="http://schemas.microsoft.com/office/powerpoint/2010/main" spd="slow" p14:dur="2000">
         <p159:morph option="byObject"/>
       </p:transition>
     </mc:Choice>
-    <mc:Fallback>
+    <mc:Fallback xmlns="">
       <p:transition spd="slow">
         <p:fade/>
       </p:transition>
@@ -4478,13 +4510,13 @@
   <p:clrMapOvr>
     <a:masterClrMapping/>
   </p:clrMapOvr>
-  <mc:AlternateContent xmlns:mc="http://schemas.openxmlformats.org/markup-compatibility/2006">
-    <mc:Choice xmlns:p159="http://schemas.microsoft.com/office/powerpoint/2015/09/main" Requires="p159">
+  <mc:AlternateContent xmlns:mc="http://schemas.openxmlformats.org/markup-compatibility/2006" xmlns:p159="http://schemas.microsoft.com/office/powerpoint/2015/09/main">
+    <mc:Choice Requires="p159">
       <p:transition xmlns:p14="http://schemas.microsoft.com/office/powerpoint/2010/main" spd="slow" p14:dur="2000">
         <p159:morph option="byObject"/>
       </p:transition>
     </mc:Choice>
-    <mc:Fallback>
+    <mc:Fallback xmlns="">
       <p:transition spd="slow">
         <p:fade/>
       </p:transition>
@@ -4515,6 +4547,65 @@
           <p:cNvPr id="2" name="Title 1">
             <a:extLst>
               <a:ext uri="{FF2B5EF4-FFF2-40B4-BE49-F238E27FC236}">
+                <a16:creationId xmlns:a16="http://schemas.microsoft.com/office/drawing/2014/main" id="{B9712D98-E5E2-18F4-856C-C32227DC735B}"/>
+              </a:ext>
+            </a:extLst>
+          </p:cNvPr>
+          <p:cNvSpPr>
+            <a:spLocks noGrp="1"/>
+          </p:cNvSpPr>
+          <p:nvPr>
+            <p:ph type="ctrTitle"/>
+          </p:nvPr>
+        </p:nvSpPr>
+        <p:spPr/>
+        <p:txBody>
+          <a:bodyPr/>
+          <a:lstStyle/>
+          <a:p>
+            <a:pPr algn="ctr"/>
+            <a:r>
+              <a:rPr lang="en-US" dirty="0"/>
+              <a:t>Demo</a:t>
+            </a:r>
+          </a:p>
+        </p:txBody>
+      </p:sp>
+    </p:spTree>
+    <p:extLst>
+      <p:ext uri="{BB962C8B-B14F-4D97-AF65-F5344CB8AC3E}">
+        <p14:creationId xmlns:p14="http://schemas.microsoft.com/office/powerpoint/2010/main" val="1690257696"/>
+      </p:ext>
+    </p:extLst>
+  </p:cSld>
+  <p:clrMapOvr>
+    <a:masterClrMapping/>
+  </p:clrMapOvr>
+</p:sld>
+</file>
+
+<file path=ppt/slides/slide5.xml><?xml version="1.0" encoding="utf-8"?>
+<p:sld xmlns:a="http://schemas.openxmlformats.org/drawingml/2006/main" xmlns:r="http://schemas.openxmlformats.org/officeDocument/2006/relationships" xmlns:p="http://schemas.openxmlformats.org/presentationml/2006/main">
+  <p:cSld>
+    <p:spTree>
+      <p:nvGrpSpPr>
+        <p:cNvPr id="1" name=""/>
+        <p:cNvGrpSpPr/>
+        <p:nvPr/>
+      </p:nvGrpSpPr>
+      <p:grpSpPr>
+        <a:xfrm>
+          <a:off x="0" y="0"/>
+          <a:ext cx="0" cy="0"/>
+          <a:chOff x="0" y="0"/>
+          <a:chExt cx="0" cy="0"/>
+        </a:xfrm>
+      </p:grpSpPr>
+      <p:sp>
+        <p:nvSpPr>
+          <p:cNvPr id="2" name="Title 1">
+            <a:extLst>
+              <a:ext uri="{FF2B5EF4-FFF2-40B4-BE49-F238E27FC236}">
                 <a16:creationId xmlns:a16="http://schemas.microsoft.com/office/drawing/2014/main" id="{90B77746-7C21-8B06-CFC5-45AA224AD215}"/>
               </a:ext>
             </a:extLst>
@@ -4562,7 +4653,7 @@
         </p:spPr>
         <p:txBody>
           <a:bodyPr>
-            <a:normAutofit lnSpcReduction="10000"/>
+            <a:normAutofit fontScale="85000" lnSpcReduction="10000"/>
           </a:bodyPr>
           <a:lstStyle/>
           <a:p>
@@ -4584,7 +4675,7 @@
             </a:pPr>
             <a:r>
               <a:rPr lang="en-US" dirty="0"/>
-              <a:t>- </a:t>
+              <a:t>- Code Organization: Helped give structure program – easy to follow</a:t>
             </a:r>
           </a:p>
           <a:p>
@@ -4595,7 +4686,7 @@
             </a:pPr>
             <a:r>
               <a:rPr lang="en-US" dirty="0"/>
-              <a:t>- </a:t>
+              <a:t>- Memory Management: The use of the Z register and program memory access (lpm) effectively retrieves color component data from memory.</a:t>
             </a:r>
           </a:p>
           <a:p>
@@ -4606,7 +4697,7 @@
             </a:pPr>
             <a:r>
               <a:rPr lang="en-US" dirty="0"/>
-              <a:t>- </a:t>
+              <a:t>- Communication Between Devices: Learned how to sync up the different communications speeds between devices </a:t>
             </a:r>
           </a:p>
           <a:p>
@@ -4615,10 +4706,7 @@
                 <a:spcPct val="100000"/>
               </a:lnSpc>
             </a:pPr>
-            <a:r>
-              <a:rPr lang="en-US" dirty="0"/>
-              <a:t>- </a:t>
-            </a:r>
+            <a:endParaRPr lang="en-US" dirty="0"/>
           </a:p>
           <a:p>
             <a:endParaRPr lang="en-US" dirty="0"/>
@@ -4648,7 +4736,7 @@
           <a:p>
             <a:r>
               <a:rPr lang="en-US" dirty="0"/>
-              <a:t>Overall, this project does demonstrate what we were trying to accomplish albeit at a very abstracted level, but the idea is there. With that being said, I would say that this was fully a successful project but not. Through this project I definitely sharpened most of the skills learned throughout the semester, but there where a few points of struggle.</a:t>
+              <a:t>Overall, this project does demonstrate what we were trying to accomplish albeit at a very abstracted level, but the idea is there. With that being said, I would say that this was a successful project but not the actual extent we wanted. Through this project I sharpened most of the skills learned throughout the semester, but there where a few points of struggle.</a:t>
             </a:r>
           </a:p>
         </p:txBody>
@@ -4698,7 +4786,7 @@
         <p:spPr>
           <a:xfrm>
             <a:off x="4800600" y="3267027"/>
-            <a:ext cx="6496835" cy="2831544"/>
+            <a:ext cx="6496835" cy="3447098"/>
           </a:xfrm>
           <a:prstGeom prst="rect">
             <a:avLst/>
@@ -4719,40 +4807,52 @@
           <a:p>
             <a:r>
               <a:rPr lang="en-US" sz="2000" dirty="0"/>
-              <a:t>- F</a:t>
-            </a:r>
-          </a:p>
-          <a:p>
-            <a:endParaRPr lang="en-US" sz="2000" dirty="0"/>
-          </a:p>
-          <a:p>
-            <a:r>
-              <a:rPr lang="en-US" sz="2000" dirty="0"/>
-              <a:t>-</a:t>
-            </a:r>
-          </a:p>
-          <a:p>
-            <a:r>
-              <a:rPr lang="en-US" sz="2000" dirty="0"/>
+              <a:t>- </a:t>
+            </a:r>
+            <a:r>
+              <a:rPr lang="en-US" sz="1600" dirty="0"/>
+              <a:t>Limited Error Handling: It was difficult to track how the program was flowing at times and what was being changed</a:t>
+            </a:r>
+          </a:p>
+          <a:p>
+            <a:endParaRPr lang="en-US" sz="1600" dirty="0"/>
+          </a:p>
+          <a:p>
+            <a:r>
+              <a:rPr lang="en-US" sz="1600" dirty="0"/>
+              <a:t>- Special Effects: Working with the </a:t>
+            </a:r>
+            <a:r>
+              <a:rPr lang="en-US" sz="1600" dirty="0" err="1"/>
+              <a:t>NeoPixel</a:t>
+            </a:r>
+            <a:r>
+              <a:rPr lang="en-US" sz="1600" dirty="0"/>
+              <a:t> was challenging at times and trying to animate it was a stretch</a:t>
+            </a:r>
+          </a:p>
+          <a:p>
+            <a:r>
+              <a:rPr lang="en-US" sz="1600" dirty="0"/>
               <a:t> </a:t>
             </a:r>
           </a:p>
           <a:p>
             <a:r>
-              <a:rPr lang="en-US" sz="2000" dirty="0"/>
-              <a:t>-</a:t>
-            </a:r>
-          </a:p>
-          <a:p>
-            <a:r>
-              <a:rPr lang="en-US" sz="2000" dirty="0"/>
+              <a:rPr lang="en-US" sz="1600" dirty="0"/>
+              <a:t>- Adapting Code: Making code that would add more functionality to users and be less restrictive.</a:t>
+            </a:r>
+          </a:p>
+          <a:p>
+            <a:r>
+              <a:rPr lang="en-US" sz="1600" dirty="0"/>
               <a:t> </a:t>
             </a:r>
           </a:p>
           <a:p>
             <a:r>
-              <a:rPr lang="en-US" sz="2000" dirty="0"/>
-              <a:t>- </a:t>
+              <a:rPr lang="en-US" sz="1600" dirty="0"/>
+              <a:t>- General Understanding: While I did learn a lot, there is still a disconnect in some areas</a:t>
             </a:r>
           </a:p>
           <a:p>
@@ -4770,133 +4870,13 @@
   <p:clrMapOvr>
     <a:masterClrMapping/>
   </p:clrMapOvr>
-  <mc:AlternateContent xmlns:mc="http://schemas.openxmlformats.org/markup-compatibility/2006">
-    <mc:Choice xmlns:p159="http://schemas.microsoft.com/office/powerpoint/2015/09/main" Requires="p159">
+  <mc:AlternateContent xmlns:mc="http://schemas.openxmlformats.org/markup-compatibility/2006" xmlns:p159="http://schemas.microsoft.com/office/powerpoint/2015/09/main">
+    <mc:Choice Requires="p159">
       <p:transition xmlns:p14="http://schemas.microsoft.com/office/powerpoint/2010/main" spd="slow" p14:dur="2000">
         <p159:morph option="byObject"/>
       </p:transition>
     </mc:Choice>
-    <mc:Fallback>
-      <p:transition spd="slow">
-        <p:fade/>
-      </p:transition>
-    </mc:Fallback>
-  </mc:AlternateContent>
-</p:sld>
-</file>
-
-<file path=ppt/slides/slide5.xml><?xml version="1.0" encoding="utf-8"?>
-<p:sld xmlns:a="http://schemas.openxmlformats.org/drawingml/2006/main" xmlns:r="http://schemas.openxmlformats.org/officeDocument/2006/relationships" xmlns:p="http://schemas.openxmlformats.org/presentationml/2006/main">
-  <p:cSld>
-    <p:spTree>
-      <p:nvGrpSpPr>
-        <p:cNvPr id="1" name=""/>
-        <p:cNvGrpSpPr/>
-        <p:nvPr/>
-      </p:nvGrpSpPr>
-      <p:grpSpPr>
-        <a:xfrm>
-          <a:off x="0" y="0"/>
-          <a:ext cx="0" cy="0"/>
-          <a:chOff x="0" y="0"/>
-          <a:chExt cx="0" cy="0"/>
-        </a:xfrm>
-      </p:grpSpPr>
-      <p:sp>
-        <p:nvSpPr>
-          <p:cNvPr id="2" name="Title 1">
-            <a:extLst>
-              <a:ext uri="{FF2B5EF4-FFF2-40B4-BE49-F238E27FC236}">
-                <a16:creationId xmlns:a16="http://schemas.microsoft.com/office/drawing/2014/main" id="{ED596D1B-1D8E-9A2E-00A5-CACB1C3CFE4C}"/>
-              </a:ext>
-            </a:extLst>
-          </p:cNvPr>
-          <p:cNvSpPr>
-            <a:spLocks noGrp="1"/>
-          </p:cNvSpPr>
-          <p:nvPr>
-            <p:ph type="title"/>
-          </p:nvPr>
-        </p:nvSpPr>
-        <p:spPr/>
-        <p:txBody>
-          <a:bodyPr/>
-          <a:lstStyle/>
-          <a:p>
-            <a:r>
-              <a:rPr lang="en-US" dirty="0"/>
-              <a:t>Wes Reflection</a:t>
-            </a:r>
-          </a:p>
-        </p:txBody>
-      </p:sp>
-      <p:sp>
-        <p:nvSpPr>
-          <p:cNvPr id="3" name="Content Placeholder 2">
-            <a:extLst>
-              <a:ext uri="{FF2B5EF4-FFF2-40B4-BE49-F238E27FC236}">
-                <a16:creationId xmlns:a16="http://schemas.microsoft.com/office/drawing/2014/main" id="{EBF5C93B-F951-376B-E418-71B6601C74C6}"/>
-              </a:ext>
-            </a:extLst>
-          </p:cNvPr>
-          <p:cNvSpPr>
-            <a:spLocks noGrp="1"/>
-          </p:cNvSpPr>
-          <p:nvPr>
-            <p:ph idx="1"/>
-          </p:nvPr>
-        </p:nvSpPr>
-        <p:spPr/>
-        <p:txBody>
-          <a:bodyPr/>
-          <a:lstStyle/>
-          <a:p>
-            <a:endParaRPr lang="en-US"/>
-          </a:p>
-        </p:txBody>
-      </p:sp>
-      <p:sp>
-        <p:nvSpPr>
-          <p:cNvPr id="4" name="Text Placeholder 3">
-            <a:extLst>
-              <a:ext uri="{FF2B5EF4-FFF2-40B4-BE49-F238E27FC236}">
-                <a16:creationId xmlns:a16="http://schemas.microsoft.com/office/drawing/2014/main" id="{1B042F5A-89CF-C380-FAF4-4FEF7EFAD5C2}"/>
-              </a:ext>
-            </a:extLst>
-          </p:cNvPr>
-          <p:cNvSpPr>
-            <a:spLocks noGrp="1"/>
-          </p:cNvSpPr>
-          <p:nvPr>
-            <p:ph type="body" sz="half" idx="2"/>
-          </p:nvPr>
-        </p:nvSpPr>
-        <p:spPr/>
-        <p:txBody>
-          <a:bodyPr/>
-          <a:lstStyle/>
-          <a:p>
-            <a:endParaRPr lang="en-US"/>
-          </a:p>
-        </p:txBody>
-      </p:sp>
-    </p:spTree>
-    <p:extLst>
-      <p:ext uri="{BB962C8B-B14F-4D97-AF65-F5344CB8AC3E}">
-        <p14:creationId xmlns:p14="http://schemas.microsoft.com/office/powerpoint/2010/main" val="1869146078"/>
-      </p:ext>
-    </p:extLst>
-  </p:cSld>
-  <p:clrMapOvr>
-    <a:masterClrMapping/>
-  </p:clrMapOvr>
-  <mc:AlternateContent xmlns:mc="http://schemas.openxmlformats.org/markup-compatibility/2006">
-    <mc:Choice xmlns:p159="http://schemas.microsoft.com/office/powerpoint/2015/09/main" Requires="p159">
-      <p:transition xmlns:p14="http://schemas.microsoft.com/office/powerpoint/2010/main" spd="slow" p14:dur="2000">
-        <p159:morph option="byObject"/>
-      </p:transition>
-    </mc:Choice>
-    <mc:Fallback>
+    <mc:Fallback xmlns="">
       <p:transition spd="slow">
         <p:fade/>
       </p:transition>
@@ -4927,7 +4907,7 @@
           <p:cNvPr id="2" name="Title 1">
             <a:extLst>
               <a:ext uri="{FF2B5EF4-FFF2-40B4-BE49-F238E27FC236}">
-                <a16:creationId xmlns:a16="http://schemas.microsoft.com/office/drawing/2014/main" id="{8863F709-0CB9-DB73-92AD-A0739772A224}"/>
+                <a16:creationId xmlns:a16="http://schemas.microsoft.com/office/drawing/2014/main" id="{ED596D1B-1D8E-9A2E-00A5-CACB1C3CFE4C}"/>
               </a:ext>
             </a:extLst>
           </p:cNvPr>
@@ -4945,7 +4925,7 @@
           <a:p>
             <a:r>
               <a:rPr lang="en-US" dirty="0"/>
-              <a:t>Future Work</a:t>
+              <a:t>Wes Reflection</a:t>
             </a:r>
           </a:p>
         </p:txBody>
@@ -4955,7 +4935,7 @@
           <p:cNvPr id="3" name="Content Placeholder 2">
             <a:extLst>
               <a:ext uri="{FF2B5EF4-FFF2-40B4-BE49-F238E27FC236}">
-                <a16:creationId xmlns:a16="http://schemas.microsoft.com/office/drawing/2014/main" id="{F0F9EA24-14AD-36EF-F507-1439B36FEBA8}"/>
+                <a16:creationId xmlns:a16="http://schemas.microsoft.com/office/drawing/2014/main" id="{EBF5C93B-F951-376B-E418-71B6601C74C6}"/>
               </a:ext>
             </a:extLst>
           </p:cNvPr>
@@ -4963,7 +4943,7 @@
             <a:spLocks noGrp="1"/>
           </p:cNvSpPr>
           <p:nvPr>
-            <p:ph sz="half" idx="1"/>
+            <p:ph idx="1"/>
           </p:nvPr>
         </p:nvSpPr>
         <p:spPr/>
@@ -4971,49 +4951,16 @@
           <a:bodyPr/>
           <a:lstStyle/>
           <a:p>
-            <a:r>
-              <a:rPr lang="en-US" u="sng" dirty="0"/>
-              <a:t>Immediate Fixes:</a:t>
-            </a:r>
-          </a:p>
-          <a:p>
-            <a:r>
-              <a:rPr lang="en-US" dirty="0"/>
-              <a:t>- </a:t>
-            </a:r>
-          </a:p>
-          <a:p>
-            <a:r>
-              <a:rPr lang="en-US" dirty="0"/>
-              <a:t>- </a:t>
-            </a:r>
-          </a:p>
-          <a:p>
-            <a:r>
-              <a:rPr lang="en-US" dirty="0"/>
-              <a:t>- </a:t>
-            </a:r>
-          </a:p>
-          <a:p>
-            <a:r>
-              <a:rPr lang="en-US" dirty="0"/>
-              <a:t>- </a:t>
-            </a:r>
-          </a:p>
-          <a:p>
-            <a:r>
-              <a:rPr lang="en-US" dirty="0"/>
-              <a:t>- </a:t>
-            </a:r>
-          </a:p>
-        </p:txBody>
-      </p:sp>
-      <p:sp>
-        <p:nvSpPr>
-          <p:cNvPr id="4" name="Content Placeholder 3">
+            <a:endParaRPr lang="en-US"/>
+          </a:p>
+        </p:txBody>
+      </p:sp>
+      <p:sp>
+        <p:nvSpPr>
+          <p:cNvPr id="4" name="Text Placeholder 3">
             <a:extLst>
               <a:ext uri="{FF2B5EF4-FFF2-40B4-BE49-F238E27FC236}">
-                <a16:creationId xmlns:a16="http://schemas.microsoft.com/office/drawing/2014/main" id="{0B274D77-EBED-4983-3ED8-0D08A1991F82}"/>
+                <a16:creationId xmlns:a16="http://schemas.microsoft.com/office/drawing/2014/main" id="{1B042F5A-89CF-C380-FAF4-4FEF7EFAD5C2}"/>
               </a:ext>
             </a:extLst>
           </p:cNvPr>
@@ -5021,7 +4968,7 @@
             <a:spLocks noGrp="1"/>
           </p:cNvSpPr>
           <p:nvPr>
-            <p:ph sz="half" idx="2"/>
+            <p:ph type="body" sz="half" idx="2"/>
           </p:nvPr>
         </p:nvSpPr>
         <p:spPr/>
@@ -5029,60 +4976,27 @@
           <a:bodyPr/>
           <a:lstStyle/>
           <a:p>
-            <a:r>
-              <a:rPr lang="en-US" u="sng" dirty="0"/>
-              <a:t>Ideas:</a:t>
-            </a:r>
-          </a:p>
-          <a:p>
-            <a:r>
-              <a:rPr lang="en-US" dirty="0"/>
-              <a:t>- </a:t>
-            </a:r>
-          </a:p>
-          <a:p>
-            <a:r>
-              <a:rPr lang="en-US" dirty="0"/>
-              <a:t>- </a:t>
-            </a:r>
-          </a:p>
-          <a:p>
-            <a:r>
-              <a:rPr lang="en-US" dirty="0"/>
-              <a:t>- </a:t>
-            </a:r>
-          </a:p>
-          <a:p>
-            <a:r>
-              <a:rPr lang="en-US" dirty="0"/>
-              <a:t>- </a:t>
-            </a:r>
-          </a:p>
-          <a:p>
-            <a:r>
-              <a:rPr lang="en-US" dirty="0"/>
-              <a:t>- </a:t>
-            </a:r>
+            <a:endParaRPr lang="en-US" dirty="0"/>
           </a:p>
         </p:txBody>
       </p:sp>
     </p:spTree>
     <p:extLst>
       <p:ext uri="{BB962C8B-B14F-4D97-AF65-F5344CB8AC3E}">
-        <p14:creationId xmlns:p14="http://schemas.microsoft.com/office/powerpoint/2010/main" val="1579348975"/>
+        <p14:creationId xmlns:p14="http://schemas.microsoft.com/office/powerpoint/2010/main" val="1869146078"/>
       </p:ext>
     </p:extLst>
   </p:cSld>
   <p:clrMapOvr>
     <a:masterClrMapping/>
   </p:clrMapOvr>
-  <mc:AlternateContent xmlns:mc="http://schemas.openxmlformats.org/markup-compatibility/2006">
-    <mc:Choice xmlns:p159="http://schemas.microsoft.com/office/powerpoint/2015/09/main" Requires="p159">
+  <mc:AlternateContent xmlns:mc="http://schemas.openxmlformats.org/markup-compatibility/2006" xmlns:p159="http://schemas.microsoft.com/office/powerpoint/2015/09/main">
+    <mc:Choice Requires="p159">
       <p:transition xmlns:p14="http://schemas.microsoft.com/office/powerpoint/2010/main" spd="slow" p14:dur="2000">
         <p159:morph option="byObject"/>
       </p:transition>
     </mc:Choice>
-    <mc:Fallback>
+    <mc:Fallback xmlns="">
       <p:transition spd="slow">
         <p:fade/>
       </p:transition>
@@ -5113,6 +5027,145 @@
           <p:cNvPr id="2" name="Title 1">
             <a:extLst>
               <a:ext uri="{FF2B5EF4-FFF2-40B4-BE49-F238E27FC236}">
+                <a16:creationId xmlns:a16="http://schemas.microsoft.com/office/drawing/2014/main" id="{8863F709-0CB9-DB73-92AD-A0739772A224}"/>
+              </a:ext>
+            </a:extLst>
+          </p:cNvPr>
+          <p:cNvSpPr>
+            <a:spLocks noGrp="1"/>
+          </p:cNvSpPr>
+          <p:nvPr>
+            <p:ph type="title"/>
+          </p:nvPr>
+        </p:nvSpPr>
+        <p:spPr/>
+        <p:txBody>
+          <a:bodyPr/>
+          <a:lstStyle/>
+          <a:p>
+            <a:r>
+              <a:rPr lang="en-US" dirty="0"/>
+              <a:t>Future Work</a:t>
+            </a:r>
+          </a:p>
+        </p:txBody>
+      </p:sp>
+      <p:sp>
+        <p:nvSpPr>
+          <p:cNvPr id="4" name="Content Placeholder 3">
+            <a:extLst>
+              <a:ext uri="{FF2B5EF4-FFF2-40B4-BE49-F238E27FC236}">
+                <a16:creationId xmlns:a16="http://schemas.microsoft.com/office/drawing/2014/main" id="{0B274D77-EBED-4983-3ED8-0D08A1991F82}"/>
+              </a:ext>
+            </a:extLst>
+          </p:cNvPr>
+          <p:cNvSpPr>
+            <a:spLocks noGrp="1"/>
+          </p:cNvSpPr>
+          <p:nvPr>
+            <p:ph sz="half" idx="2"/>
+          </p:nvPr>
+        </p:nvSpPr>
+        <p:spPr>
+          <a:xfrm>
+            <a:off x="1097280" y="1845735"/>
+            <a:ext cx="10058400" cy="4023360"/>
+          </a:xfrm>
+        </p:spPr>
+        <p:txBody>
+          <a:bodyPr/>
+          <a:lstStyle/>
+          <a:p>
+            <a:r>
+              <a:rPr lang="en-US" u="sng" dirty="0"/>
+              <a:t>Ideas:</a:t>
+            </a:r>
+          </a:p>
+          <a:p>
+            <a:r>
+              <a:rPr lang="en-US" dirty="0"/>
+              <a:t>- Convert over to the original idea </a:t>
+            </a:r>
+          </a:p>
+          <a:p>
+            <a:endParaRPr lang="en-US" dirty="0"/>
+          </a:p>
+          <a:p>
+            <a:r>
+              <a:rPr lang="en-US" dirty="0"/>
+              <a:t>- Develop it so that it has real time updates/ runs constantly</a:t>
+            </a:r>
+          </a:p>
+          <a:p>
+            <a:endParaRPr lang="en-US" dirty="0"/>
+          </a:p>
+          <a:p>
+            <a:r>
+              <a:rPr lang="en-US" dirty="0"/>
+              <a:t>- More user control/People would be able to type in any city they want and see the weather</a:t>
+            </a:r>
+          </a:p>
+          <a:p>
+            <a:r>
+              <a:rPr lang="en-US" dirty="0"/>
+              <a:t> </a:t>
+            </a:r>
+          </a:p>
+          <a:p>
+            <a:r>
+              <a:rPr lang="en-US" dirty="0"/>
+              <a:t>- Adding options to toggle between weather, humidity, air quality, or UV index</a:t>
+            </a:r>
+          </a:p>
+        </p:txBody>
+      </p:sp>
+    </p:spTree>
+    <p:extLst>
+      <p:ext uri="{BB962C8B-B14F-4D97-AF65-F5344CB8AC3E}">
+        <p14:creationId xmlns:p14="http://schemas.microsoft.com/office/powerpoint/2010/main" val="1579348975"/>
+      </p:ext>
+    </p:extLst>
+  </p:cSld>
+  <p:clrMapOvr>
+    <a:masterClrMapping/>
+  </p:clrMapOvr>
+  <mc:AlternateContent xmlns:mc="http://schemas.openxmlformats.org/markup-compatibility/2006" xmlns:p159="http://schemas.microsoft.com/office/powerpoint/2015/09/main">
+    <mc:Choice Requires="p159">
+      <p:transition xmlns:p14="http://schemas.microsoft.com/office/powerpoint/2010/main" spd="slow" p14:dur="2000">
+        <p159:morph option="byObject"/>
+      </p:transition>
+    </mc:Choice>
+    <mc:Fallback xmlns="">
+      <p:transition spd="slow">
+        <p:fade/>
+      </p:transition>
+    </mc:Fallback>
+  </mc:AlternateContent>
+</p:sld>
+</file>
+
+<file path=ppt/slides/slide8.xml><?xml version="1.0" encoding="utf-8"?>
+<p:sld xmlns:a="http://schemas.openxmlformats.org/drawingml/2006/main" xmlns:r="http://schemas.openxmlformats.org/officeDocument/2006/relationships" xmlns:p="http://schemas.openxmlformats.org/presentationml/2006/main">
+  <p:cSld>
+    <p:spTree>
+      <p:nvGrpSpPr>
+        <p:cNvPr id="1" name=""/>
+        <p:cNvGrpSpPr/>
+        <p:nvPr/>
+      </p:nvGrpSpPr>
+      <p:grpSpPr>
+        <a:xfrm>
+          <a:off x="0" y="0"/>
+          <a:ext cx="0" cy="0"/>
+          <a:chOff x="0" y="0"/>
+          <a:chExt cx="0" cy="0"/>
+        </a:xfrm>
+      </p:grpSpPr>
+      <p:sp>
+        <p:nvSpPr>
+          <p:cNvPr id="2" name="Title 1">
+            <a:extLst>
+              <a:ext uri="{FF2B5EF4-FFF2-40B4-BE49-F238E27FC236}">
                 <a16:creationId xmlns:a16="http://schemas.microsoft.com/office/drawing/2014/main" id="{A2004353-06C3-C561-C44E-02643DB91F02}"/>
               </a:ext>
             </a:extLst>
@@ -5147,13 +5200,13 @@
   <p:clrMapOvr>
     <a:masterClrMapping/>
   </p:clrMapOvr>
-  <mc:AlternateContent xmlns:mc="http://schemas.openxmlformats.org/markup-compatibility/2006">
-    <mc:Choice xmlns:p159="http://schemas.microsoft.com/office/powerpoint/2015/09/main" Requires="p159">
+  <mc:AlternateContent xmlns:mc="http://schemas.openxmlformats.org/markup-compatibility/2006" xmlns:p159="http://schemas.microsoft.com/office/powerpoint/2015/09/main">
+    <mc:Choice Requires="p159">
       <p:transition xmlns:p14="http://schemas.microsoft.com/office/powerpoint/2010/main" spd="slow" p14:dur="2000">
         <p159:morph option="byObject"/>
       </p:transition>
     </mc:Choice>
-    <mc:Fallback>
+    <mc:Fallback xmlns="">
       <p:transition spd="slow">
         <p:fade/>
       </p:transition>

--- a/documentation/Presentation.pptx
+++ b/documentation/Presentation.pptx
@@ -132,7 +132,7 @@
   <pc:docChgLst>
     <pc:chgData name="Cade Conklin" userId="814829c21bc3e5bc" providerId="LiveId" clId="{E1B7C371-B183-4855-BB6F-1680507B463F}"/>
     <pc:docChg chg="undo redo custSel addSld delSld modSld sldOrd">
-      <pc:chgData name="Cade Conklin" userId="814829c21bc3e5bc" providerId="LiveId" clId="{E1B7C371-B183-4855-BB6F-1680507B463F}" dt="2023-05-16T02:49:44.109" v="3756" actId="478"/>
+      <pc:chgData name="Cade Conklin" userId="814829c21bc3e5bc" providerId="LiveId" clId="{E1B7C371-B183-4855-BB6F-1680507B463F}" dt="2023-05-16T02:56:35.774" v="3759"/>
       <pc:docMkLst>
         <pc:docMk/>
       </pc:docMkLst>
@@ -345,7 +345,7 @@
         </pc:spChg>
       </pc:sldChg>
       <pc:sldChg chg="modSp new mod modTransition">
-        <pc:chgData name="Cade Conklin" userId="814829c21bc3e5bc" providerId="LiveId" clId="{E1B7C371-B183-4855-BB6F-1680507B463F}" dt="2023-05-16T02:07:07.188" v="1291"/>
+        <pc:chgData name="Cade Conklin" userId="814829c21bc3e5bc" providerId="LiveId" clId="{E1B7C371-B183-4855-BB6F-1680507B463F}" dt="2023-05-16T02:56:35.774" v="3759"/>
         <pc:sldMkLst>
           <pc:docMk/>
           <pc:sldMk cId="1869146078" sldId="260"/>
@@ -356,6 +356,22 @@
             <pc:docMk/>
             <pc:sldMk cId="1869146078" sldId="260"/>
             <ac:spMk id="2" creationId="{ED596D1B-1D8E-9A2E-00A5-CACB1C3CFE4C}"/>
+          </ac:spMkLst>
+        </pc:spChg>
+        <pc:spChg chg="mod">
+          <ac:chgData name="Cade Conklin" userId="814829c21bc3e5bc" providerId="LiveId" clId="{E1B7C371-B183-4855-BB6F-1680507B463F}" dt="2023-05-16T02:56:35.774" v="3759"/>
+          <ac:spMkLst>
+            <pc:docMk/>
+            <pc:sldMk cId="1869146078" sldId="260"/>
+            <ac:spMk id="3" creationId="{EBF5C93B-F951-376B-E418-71B6601C74C6}"/>
+          </ac:spMkLst>
+        </pc:spChg>
+        <pc:spChg chg="mod">
+          <ac:chgData name="Cade Conklin" userId="814829c21bc3e5bc" providerId="LiveId" clId="{E1B7C371-B183-4855-BB6F-1680507B463F}" dt="2023-05-16T02:56:20.271" v="3758"/>
+          <ac:spMkLst>
+            <pc:docMk/>
+            <pc:sldMk cId="1869146078" sldId="260"/>
+            <ac:spMk id="4" creationId="{1B042F5A-89CF-C380-FAF4-4FEF7EFAD5C2}"/>
           </ac:spMkLst>
         </pc:spChg>
       </pc:sldChg>
@@ -391,7 +407,7 @@
         </pc:spChg>
       </pc:sldChg>
       <pc:sldChg chg="modSp new mod ord modTransition">
-        <pc:chgData name="Cade Conklin" userId="814829c21bc3e5bc" providerId="LiveId" clId="{E1B7C371-B183-4855-BB6F-1680507B463F}" dt="2023-05-16T02:06:54.612" v="1288"/>
+        <pc:chgData name="Cade Conklin" userId="814829c21bc3e5bc" providerId="LiveId" clId="{E1B7C371-B183-4855-BB6F-1680507B463F}" dt="2023-05-16T02:55:55.748" v="3757"/>
         <pc:sldMkLst>
           <pc:docMk/>
           <pc:sldMk cId="2802631913" sldId="261"/>
@@ -405,7 +421,7 @@
           </ac:spMkLst>
         </pc:spChg>
         <pc:spChg chg="mod">
-          <ac:chgData name="Cade Conklin" userId="814829c21bc3e5bc" providerId="LiveId" clId="{E1B7C371-B183-4855-BB6F-1680507B463F}" dt="2023-05-13T15:26:41.897" v="528" actId="20577"/>
+          <ac:chgData name="Cade Conklin" userId="814829c21bc3e5bc" providerId="LiveId" clId="{E1B7C371-B183-4855-BB6F-1680507B463F}" dt="2023-05-16T02:55:55.748" v="3757"/>
           <ac:spMkLst>
             <pc:docMk/>
             <pc:sldMk cId="2802631913" sldId="261"/>
@@ -4319,29 +4335,143 @@
           <a:bodyPr/>
           <a:lstStyle/>
           <a:p>
-            <a:pPr>
+            <a:pPr algn="l" rtl="0" fontAlgn="base">
               <a:buFont typeface="Arial" panose="020B0604020202020204" pitchFamily="34" charset="0"/>
               <a:buChar char="•"/>
             </a:pPr>
             <a:r>
               <a:rPr lang="en-US" dirty="0"/>
-              <a:t> Originally, for this project we planned to make a reputation monitor </a:t>
-            </a:r>
-          </a:p>
-          <a:p>
-            <a:pPr lvl="1">
+              <a:t>  </a:t>
+            </a:r>
+            <a:r>
+              <a:rPr lang="en-US" sz="2000" b="0" i="0" u="none" strike="noStrike" dirty="0">
+                <a:solidFill>
+                  <a:srgbClr val="FFFFFF"/>
+                </a:solidFill>
+                <a:effectLst/>
+                <a:latin typeface="Calibri" panose="020F0502020204030204" pitchFamily="34" charset="0"/>
+              </a:rPr>
+              <a:t>We initially planned to have our project be a sort of "Public sentiment monitor"</a:t>
+            </a:r>
+            <a:r>
+              <a:rPr lang="en-US" sz="2000" b="0" i="0" dirty="0">
+                <a:solidFill>
+                  <a:srgbClr val="FFFFFF"/>
+                </a:solidFill>
+                <a:effectLst/>
+                <a:latin typeface="Calibri" panose="020F0502020204030204" pitchFamily="34" charset="0"/>
+              </a:rPr>
+              <a:t>​</a:t>
+            </a:r>
+            <a:endParaRPr lang="en-US" b="0" i="0" dirty="0">
+              <a:solidFill>
+                <a:srgbClr val="FFFFFF"/>
+              </a:solidFill>
+              <a:effectLst/>
+              <a:latin typeface="Arial" panose="020B0604020202020204" pitchFamily="34" charset="0"/>
+            </a:endParaRPr>
+          </a:p>
+          <a:p>
+            <a:pPr algn="l" rtl="0" fontAlgn="base">
               <a:buFont typeface="Arial" panose="020B0604020202020204" pitchFamily="34" charset="0"/>
               <a:buChar char="•"/>
             </a:pPr>
             <a:r>
-              <a:rPr lang="en-US" dirty="0"/>
-              <a:t>Design a web scraper to </a:t>
-            </a:r>
-            <a:r>
-              <a:rPr lang="en-US"/>
-              <a:t>collect </a:t>
-            </a:r>
-            <a:endParaRPr lang="en-US" dirty="0"/>
+              <a:rPr lang="en-US" sz="2000" b="0" i="0" u="none" strike="noStrike" dirty="0">
+                <a:solidFill>
+                  <a:srgbClr val="FFFFFF"/>
+                </a:solidFill>
+                <a:effectLst/>
+                <a:latin typeface="Calibri" panose="020F0502020204030204" pitchFamily="34" charset="0"/>
+              </a:rPr>
+              <a:t>Scrape twitter for tweets containing a certain hashtag using the </a:t>
+            </a:r>
+            <a:r>
+              <a:rPr lang="en-US" sz="2000" b="0" i="0" u="none" strike="noStrike" dirty="0" err="1">
+                <a:solidFill>
+                  <a:srgbClr val="FFFFFF"/>
+                </a:solidFill>
+                <a:effectLst/>
+                <a:latin typeface="Calibri" panose="020F0502020204030204" pitchFamily="34" charset="0"/>
+              </a:rPr>
+              <a:t>Tweepy</a:t>
+            </a:r>
+            <a:r>
+              <a:rPr lang="en-US" sz="2000" b="0" i="0" u="none" strike="noStrike" dirty="0">
+                <a:solidFill>
+                  <a:srgbClr val="FFFFFF"/>
+                </a:solidFill>
+                <a:effectLst/>
+                <a:latin typeface="Calibri" panose="020F0502020204030204" pitchFamily="34" charset="0"/>
+              </a:rPr>
+              <a:t> API, then send those tweets through an AI sentiment analysis tool, ultimately resulting in a number from 0-100 indicating % of positive discourse surrounding whatever topic you wanted to look at. After obtaining this number it would be used in our assembler program to light up the LEDs correspondingly </a:t>
+            </a:r>
+          </a:p>
+          <a:p>
+            <a:pPr algn="l" rtl="0" fontAlgn="base">
+              <a:buFont typeface="Arial" panose="020B0604020202020204" pitchFamily="34" charset="0"/>
+              <a:buChar char="•"/>
+            </a:pPr>
+            <a:r>
+              <a:rPr lang="en-US" sz="2000" b="0" i="0" u="none" strike="noStrike" dirty="0">
+                <a:solidFill>
+                  <a:srgbClr val="FFFFFF"/>
+                </a:solidFill>
+                <a:effectLst/>
+                <a:latin typeface="Calibri" panose="020F0502020204030204" pitchFamily="34" charset="0"/>
+              </a:rPr>
+              <a:t>Ultimately would have been very cool to have it update in real time to watch public opinion change live.</a:t>
+            </a:r>
+            <a:r>
+              <a:rPr lang="en-US" sz="2000" b="0" i="0" dirty="0">
+                <a:solidFill>
+                  <a:srgbClr val="FFFFFF"/>
+                </a:solidFill>
+                <a:effectLst/>
+                <a:latin typeface="Calibri" panose="020F0502020204030204" pitchFamily="34" charset="0"/>
+              </a:rPr>
+              <a:t>​</a:t>
+            </a:r>
+            <a:endParaRPr lang="en-US" b="0" i="0" dirty="0">
+              <a:solidFill>
+                <a:srgbClr val="FFFFFF"/>
+              </a:solidFill>
+              <a:effectLst/>
+              <a:latin typeface="Arial" panose="020B0604020202020204" pitchFamily="34" charset="0"/>
+            </a:endParaRPr>
+          </a:p>
+          <a:p>
+            <a:pPr algn="l" rtl="0" fontAlgn="base">
+              <a:buFont typeface="Arial" panose="020B0604020202020204" pitchFamily="34" charset="0"/>
+              <a:buChar char="•"/>
+            </a:pPr>
+            <a:r>
+              <a:rPr lang="en-US" sz="2000" b="0" i="0" u="none" strike="noStrike" dirty="0">
+                <a:solidFill>
+                  <a:srgbClr val="FFFFFF"/>
+                </a:solidFill>
+                <a:effectLst/>
+                <a:latin typeface="Calibri" panose="020F0502020204030204" pitchFamily="34" charset="0"/>
+              </a:rPr>
+              <a:t>Due to current state of Twitter, we were unable to pursue this, thanks Elon...</a:t>
+            </a:r>
+            <a:r>
+              <a:rPr lang="en-US" sz="2000" b="0" i="0" dirty="0">
+                <a:solidFill>
+                  <a:srgbClr val="FFFFFF"/>
+                </a:solidFill>
+                <a:effectLst/>
+                <a:latin typeface="Calibri" panose="020F0502020204030204" pitchFamily="34" charset="0"/>
+              </a:rPr>
+              <a:t>​</a:t>
+            </a:r>
+            <a:endParaRPr lang="en-US" b="0" i="0" dirty="0">
+              <a:solidFill>
+                <a:srgbClr val="FFFFFF"/>
+              </a:solidFill>
+              <a:effectLst/>
+              <a:latin typeface="Arial" panose="020B0604020202020204" pitchFamily="34" charset="0"/>
+            </a:endParaRPr>
           </a:p>
         </p:txBody>
       </p:sp>
@@ -4951,7 +5081,46 @@
           <a:bodyPr/>
           <a:lstStyle/>
           <a:p>
-            <a:endParaRPr lang="en-US"/>
+            <a:r>
+              <a:rPr lang="en-US" dirty="0"/>
+              <a:t>Positives: </a:t>
+            </a:r>
+          </a:p>
+          <a:p>
+            <a:r>
+              <a:rPr lang="en-US" dirty="0"/>
+              <a:t>- Using the simulator to debug made a big difference</a:t>
+            </a:r>
+          </a:p>
+          <a:p>
+            <a:r>
+              <a:rPr lang="en-US" dirty="0"/>
+              <a:t>- Gained a lot of understanding about things like memory management, timing, etc. </a:t>
+            </a:r>
+          </a:p>
+          <a:p>
+            <a:endParaRPr lang="en-US" dirty="0"/>
+          </a:p>
+          <a:p>
+            <a:r>
+              <a:rPr lang="en-US" dirty="0"/>
+              <a:t>Challenges:</a:t>
+            </a:r>
+          </a:p>
+          <a:p>
+            <a:r>
+              <a:rPr lang="en-US" dirty="0"/>
+              <a:t>- “I could do this in C++”</a:t>
+            </a:r>
+          </a:p>
+          <a:p>
+            <a:r>
+              <a:rPr lang="en-US" dirty="0"/>
+              <a:t>- What features to keep in/pursue and what to let go of – keeping things realistic</a:t>
+            </a:r>
+          </a:p>
+          <a:p>
+            <a:endParaRPr lang="en-US" dirty="0"/>
           </a:p>
         </p:txBody>
       </p:sp>
@@ -4975,6 +5144,36 @@
         <p:txBody>
           <a:bodyPr/>
           <a:lstStyle/>
+          <a:p>
+            <a:pPr marL="285750" indent="-285750">
+              <a:buFontTx/>
+              <a:buChar char="-"/>
+            </a:pPr>
+            <a:r>
+              <a:rPr lang="en-US" dirty="0"/>
+              <a:t>ASM can be challenging, but feels good to make progress</a:t>
+            </a:r>
+          </a:p>
+          <a:p>
+            <a:pPr marL="285750" indent="-285750">
+              <a:buFontTx/>
+              <a:buChar char="-"/>
+            </a:pPr>
+            <a:r>
+              <a:rPr lang="en-US" dirty="0"/>
+              <a:t>Gained appreciation for low level control</a:t>
+            </a:r>
+          </a:p>
+          <a:p>
+            <a:pPr marL="285750" indent="-285750">
+              <a:buFontTx/>
+              <a:buChar char="-"/>
+            </a:pPr>
+            <a:r>
+              <a:rPr lang="en-US" dirty="0"/>
+              <a:t>Overall happy with how things turned out</a:t>
+            </a:r>
+          </a:p>
           <a:p>
             <a:endParaRPr lang="en-US" dirty="0"/>
           </a:p>
